--- a/fig/color.pptx
+++ b/fig/color.pptx
@@ -2,7 +2,7 @@
 <file path=ppt/presentation.xml><?xml version="1.0" encoding="utf-8"?>
 <p:presentation xmlns:a="http://schemas.openxmlformats.org/drawingml/2006/main" xmlns:r="http://schemas.openxmlformats.org/officeDocument/2006/relationships" xmlns:p="http://schemas.openxmlformats.org/presentationml/2006/main" saveSubsetFonts="1" autoCompressPictures="0">
   <p:sldMasterIdLst>
-    <p:sldMasterId id="2147483720" r:id="rId1"/>
+    <p:sldMasterId id="2147483744" r:id="rId1"/>
   </p:sldMasterIdLst>
   <p:notesMasterIdLst>
     <p:notesMasterId r:id="rId3"/>
@@ -10,7 +10,7 @@
   <p:sldIdLst>
     <p:sldId id="256" r:id="rId2"/>
   </p:sldIdLst>
-  <p:sldSz cx="5943600" cy="7315200"/>
+  <p:sldSz cx="11887200" cy="3657600"/>
   <p:notesSz cx="6858000" cy="9144000"/>
   <p:defaultTextStyle>
     <a:defPPr>
@@ -197,7 +197,7 @@
           <a:p>
             <a:fld id="{7C3BBE8B-CB07-8449-8A7A-0C3A6B7FC7F8}" type="datetimeFigureOut">
               <a:rPr lang="en-US" smtClean="0"/>
-              <a:t>11/15/23</a:t>
+              <a:t>11/26/23</a:t>
             </a:fld>
             <a:endParaRPr lang="en-US"/>
           </a:p>
@@ -215,8 +215,8 @@
         </p:nvSpPr>
         <p:spPr>
           <a:xfrm>
-            <a:off x="2176463" y="1143000"/>
-            <a:ext cx="2505075" cy="3086100"/>
+            <a:off x="-1585913" y="1143000"/>
+            <a:ext cx="10029826" cy="3086100"/>
           </a:xfrm>
           <a:prstGeom prst="rect">
             <a:avLst/>
@@ -493,8 +493,8 @@
         </p:nvSpPr>
         <p:spPr>
           <a:xfrm>
-            <a:off x="2176463" y="1143000"/>
-            <a:ext cx="2505075" cy="3086100"/>
+            <a:off x="-1585913" y="1143000"/>
+            <a:ext cx="10029826" cy="3086100"/>
           </a:xfrm>
         </p:spPr>
       </p:sp>
@@ -582,15 +582,15 @@
         </p:nvSpPr>
         <p:spPr>
           <a:xfrm>
-            <a:off x="445770" y="1197187"/>
-            <a:ext cx="5052060" cy="2546773"/>
+            <a:off x="1485900" y="598593"/>
+            <a:ext cx="8915400" cy="1273387"/>
           </a:xfrm>
         </p:spPr>
         <p:txBody>
           <a:bodyPr anchor="b"/>
           <a:lstStyle>
             <a:lvl1pPr algn="ctr">
-              <a:defRPr sz="3900"/>
+              <a:defRPr sz="3200"/>
             </a:lvl1pPr>
           </a:lstStyle>
           <a:p>
@@ -614,8 +614,8 @@
         </p:nvSpPr>
         <p:spPr>
           <a:xfrm>
-            <a:off x="742950" y="3842174"/>
-            <a:ext cx="4457700" cy="1766146"/>
+            <a:off x="1485900" y="1921087"/>
+            <a:ext cx="8915400" cy="883073"/>
           </a:xfrm>
         </p:spPr>
         <p:txBody>
@@ -623,39 +623,39 @@
           <a:lstStyle>
             <a:lvl1pPr marL="0" indent="0" algn="ctr">
               <a:buNone/>
-              <a:defRPr sz="1560"/>
+              <a:defRPr sz="1280"/>
             </a:lvl1pPr>
-            <a:lvl2pPr marL="297180" indent="0" algn="ctr">
-              <a:buNone/>
-              <a:defRPr sz="1300"/>
+            <a:lvl2pPr marL="243825" indent="0" algn="ctr">
+              <a:buNone/>
+              <a:defRPr sz="1067"/>
             </a:lvl2pPr>
-            <a:lvl3pPr marL="594360" indent="0" algn="ctr">
-              <a:buNone/>
-              <a:defRPr sz="1170"/>
+            <a:lvl3pPr marL="487650" indent="0" algn="ctr">
+              <a:buNone/>
+              <a:defRPr sz="960"/>
             </a:lvl3pPr>
-            <a:lvl4pPr marL="891540" indent="0" algn="ctr">
-              <a:buNone/>
-              <a:defRPr sz="1040"/>
+            <a:lvl4pPr marL="731474" indent="0" algn="ctr">
+              <a:buNone/>
+              <a:defRPr sz="853"/>
             </a:lvl4pPr>
-            <a:lvl5pPr marL="1188720" indent="0" algn="ctr">
-              <a:buNone/>
-              <a:defRPr sz="1040"/>
+            <a:lvl5pPr marL="975299" indent="0" algn="ctr">
+              <a:buNone/>
+              <a:defRPr sz="853"/>
             </a:lvl5pPr>
-            <a:lvl6pPr marL="1485900" indent="0" algn="ctr">
-              <a:buNone/>
-              <a:defRPr sz="1040"/>
+            <a:lvl6pPr marL="1219124" indent="0" algn="ctr">
+              <a:buNone/>
+              <a:defRPr sz="853"/>
             </a:lvl6pPr>
-            <a:lvl7pPr marL="1783080" indent="0" algn="ctr">
-              <a:buNone/>
-              <a:defRPr sz="1040"/>
+            <a:lvl7pPr marL="1462949" indent="0" algn="ctr">
+              <a:buNone/>
+              <a:defRPr sz="853"/>
             </a:lvl7pPr>
-            <a:lvl8pPr marL="2080260" indent="0" algn="ctr">
-              <a:buNone/>
-              <a:defRPr sz="1040"/>
+            <a:lvl8pPr marL="1706773" indent="0" algn="ctr">
+              <a:buNone/>
+              <a:defRPr sz="853"/>
             </a:lvl8pPr>
-            <a:lvl9pPr marL="2377440" indent="0" algn="ctr">
-              <a:buNone/>
-              <a:defRPr sz="1040"/>
+            <a:lvl9pPr marL="1950598" indent="0" algn="ctr">
+              <a:buNone/>
+              <a:defRPr sz="853"/>
             </a:lvl9pPr>
           </a:lstStyle>
           <a:p>
@@ -684,7 +684,7 @@
           <a:p>
             <a:fld id="{4C61E066-1182-A048-9922-ABF797884C49}" type="datetimeFigureOut">
               <a:rPr lang="en-US" smtClean="0"/>
-              <a:t>11/15/23</a:t>
+              <a:t>11/26/23</a:t>
             </a:fld>
             <a:endParaRPr lang="en-US"/>
           </a:p>
@@ -735,7 +735,7 @@
     </p:spTree>
     <p:extLst>
       <p:ext uri="{BB962C8B-B14F-4D97-AF65-F5344CB8AC3E}">
-        <p14:creationId xmlns:p14="http://schemas.microsoft.com/office/powerpoint/2010/main" val="1376993492"/>
+        <p14:creationId xmlns:p14="http://schemas.microsoft.com/office/powerpoint/2010/main" val="696020706"/>
       </p:ext>
     </p:extLst>
   </p:cSld>
@@ -854,7 +854,7 @@
           <a:p>
             <a:fld id="{4C61E066-1182-A048-9922-ABF797884C49}" type="datetimeFigureOut">
               <a:rPr lang="en-US" smtClean="0"/>
-              <a:t>11/15/23</a:t>
+              <a:t>11/26/23</a:t>
             </a:fld>
             <a:endParaRPr lang="en-US"/>
           </a:p>
@@ -905,7 +905,7 @@
     </p:spTree>
     <p:extLst>
       <p:ext uri="{BB962C8B-B14F-4D97-AF65-F5344CB8AC3E}">
-        <p14:creationId xmlns:p14="http://schemas.microsoft.com/office/powerpoint/2010/main" val="2890881845"/>
+        <p14:creationId xmlns:p14="http://schemas.microsoft.com/office/powerpoint/2010/main" val="752544414"/>
       </p:ext>
     </p:extLst>
   </p:cSld>
@@ -944,8 +944,8 @@
         </p:nvSpPr>
         <p:spPr>
           <a:xfrm>
-            <a:off x="4253389" y="389467"/>
-            <a:ext cx="1281589" cy="6199294"/>
+            <a:off x="8506777" y="194733"/>
+            <a:ext cx="2563178" cy="3099647"/>
           </a:xfrm>
         </p:spPr>
         <p:txBody>
@@ -972,8 +972,8 @@
         </p:nvSpPr>
         <p:spPr>
           <a:xfrm>
-            <a:off x="408623" y="389467"/>
-            <a:ext cx="3770471" cy="6199294"/>
+            <a:off x="817245" y="194733"/>
+            <a:ext cx="7540943" cy="3099647"/>
           </a:xfrm>
         </p:spPr>
         <p:txBody>
@@ -1034,7 +1034,7 @@
           <a:p>
             <a:fld id="{4C61E066-1182-A048-9922-ABF797884C49}" type="datetimeFigureOut">
               <a:rPr lang="en-US" smtClean="0"/>
-              <a:t>11/15/23</a:t>
+              <a:t>11/26/23</a:t>
             </a:fld>
             <a:endParaRPr lang="en-US"/>
           </a:p>
@@ -1085,7 +1085,7 @@
     </p:spTree>
     <p:extLst>
       <p:ext uri="{BB962C8B-B14F-4D97-AF65-F5344CB8AC3E}">
-        <p14:creationId xmlns:p14="http://schemas.microsoft.com/office/powerpoint/2010/main" val="24536654"/>
+        <p14:creationId xmlns:p14="http://schemas.microsoft.com/office/powerpoint/2010/main" val="843186914"/>
       </p:ext>
     </p:extLst>
   </p:cSld>
@@ -1204,7 +1204,7 @@
           <a:p>
             <a:fld id="{4C61E066-1182-A048-9922-ABF797884C49}" type="datetimeFigureOut">
               <a:rPr lang="en-US" smtClean="0"/>
-              <a:t>11/15/23</a:t>
+              <a:t>11/26/23</a:t>
             </a:fld>
             <a:endParaRPr lang="en-US"/>
           </a:p>
@@ -1255,7 +1255,7 @@
     </p:spTree>
     <p:extLst>
       <p:ext uri="{BB962C8B-B14F-4D97-AF65-F5344CB8AC3E}">
-        <p14:creationId xmlns:p14="http://schemas.microsoft.com/office/powerpoint/2010/main" val="2580141701"/>
+        <p14:creationId xmlns:p14="http://schemas.microsoft.com/office/powerpoint/2010/main" val="3734705999"/>
       </p:ext>
     </p:extLst>
   </p:cSld>
@@ -1294,15 +1294,15 @@
         </p:nvSpPr>
         <p:spPr>
           <a:xfrm>
-            <a:off x="405527" y="1823722"/>
-            <a:ext cx="5126355" cy="3042919"/>
+            <a:off x="811054" y="911860"/>
+            <a:ext cx="10252710" cy="1521460"/>
           </a:xfrm>
         </p:spPr>
         <p:txBody>
           <a:bodyPr anchor="b"/>
           <a:lstStyle>
             <a:lvl1pPr>
-              <a:defRPr sz="3900"/>
+              <a:defRPr sz="3200"/>
             </a:lvl1pPr>
           </a:lstStyle>
           <a:p>
@@ -1326,8 +1326,8 @@
         </p:nvSpPr>
         <p:spPr>
           <a:xfrm>
-            <a:off x="405527" y="4895429"/>
-            <a:ext cx="5126355" cy="1600199"/>
+            <a:off x="811054" y="2447714"/>
+            <a:ext cx="10252710" cy="800100"/>
           </a:xfrm>
         </p:spPr>
         <p:txBody>
@@ -1335,15 +1335,17 @@
           <a:lstStyle>
             <a:lvl1pPr marL="0" indent="0">
               <a:buNone/>
-              <a:defRPr sz="1560">
+              <a:defRPr sz="1280">
                 <a:solidFill>
-                  <a:schemeClr val="tx1"/>
+                  <a:schemeClr val="tx1">
+                    <a:tint val="75000"/>
+                  </a:schemeClr>
                 </a:solidFill>
               </a:defRPr>
             </a:lvl1pPr>
-            <a:lvl2pPr marL="297180" indent="0">
-              <a:buNone/>
-              <a:defRPr sz="1300">
+            <a:lvl2pPr marL="243825" indent="0">
+              <a:buNone/>
+              <a:defRPr sz="1067">
                 <a:solidFill>
                   <a:schemeClr val="tx1">
                     <a:tint val="75000"/>
@@ -1351,9 +1353,9 @@
                 </a:solidFill>
               </a:defRPr>
             </a:lvl2pPr>
-            <a:lvl3pPr marL="594360" indent="0">
-              <a:buNone/>
-              <a:defRPr sz="1170">
+            <a:lvl3pPr marL="487650" indent="0">
+              <a:buNone/>
+              <a:defRPr sz="960">
                 <a:solidFill>
                   <a:schemeClr val="tx1">
                     <a:tint val="75000"/>
@@ -1361,9 +1363,9 @@
                 </a:solidFill>
               </a:defRPr>
             </a:lvl3pPr>
-            <a:lvl4pPr marL="891540" indent="0">
-              <a:buNone/>
-              <a:defRPr sz="1040">
+            <a:lvl4pPr marL="731474" indent="0">
+              <a:buNone/>
+              <a:defRPr sz="853">
                 <a:solidFill>
                   <a:schemeClr val="tx1">
                     <a:tint val="75000"/>
@@ -1371,9 +1373,9 @@
                 </a:solidFill>
               </a:defRPr>
             </a:lvl4pPr>
-            <a:lvl5pPr marL="1188720" indent="0">
-              <a:buNone/>
-              <a:defRPr sz="1040">
+            <a:lvl5pPr marL="975299" indent="0">
+              <a:buNone/>
+              <a:defRPr sz="853">
                 <a:solidFill>
                   <a:schemeClr val="tx1">
                     <a:tint val="75000"/>
@@ -1381,9 +1383,9 @@
                 </a:solidFill>
               </a:defRPr>
             </a:lvl5pPr>
-            <a:lvl6pPr marL="1485900" indent="0">
-              <a:buNone/>
-              <a:defRPr sz="1040">
+            <a:lvl6pPr marL="1219124" indent="0">
+              <a:buNone/>
+              <a:defRPr sz="853">
                 <a:solidFill>
                   <a:schemeClr val="tx1">
                     <a:tint val="75000"/>
@@ -1391,9 +1393,9 @@
                 </a:solidFill>
               </a:defRPr>
             </a:lvl6pPr>
-            <a:lvl7pPr marL="1783080" indent="0">
-              <a:buNone/>
-              <a:defRPr sz="1040">
+            <a:lvl7pPr marL="1462949" indent="0">
+              <a:buNone/>
+              <a:defRPr sz="853">
                 <a:solidFill>
                   <a:schemeClr val="tx1">
                     <a:tint val="75000"/>
@@ -1401,9 +1403,9 @@
                 </a:solidFill>
               </a:defRPr>
             </a:lvl7pPr>
-            <a:lvl8pPr marL="2080260" indent="0">
-              <a:buNone/>
-              <a:defRPr sz="1040">
+            <a:lvl8pPr marL="1706773" indent="0">
+              <a:buNone/>
+              <a:defRPr sz="853">
                 <a:solidFill>
                   <a:schemeClr val="tx1">
                     <a:tint val="75000"/>
@@ -1411,9 +1413,9 @@
                 </a:solidFill>
               </a:defRPr>
             </a:lvl8pPr>
-            <a:lvl9pPr marL="2377440" indent="0">
-              <a:buNone/>
-              <a:defRPr sz="1040">
+            <a:lvl9pPr marL="1950598" indent="0">
+              <a:buNone/>
+              <a:defRPr sz="853">
                 <a:solidFill>
                   <a:schemeClr val="tx1">
                     <a:tint val="75000"/>
@@ -1448,7 +1450,7 @@
           <a:p>
             <a:fld id="{4C61E066-1182-A048-9922-ABF797884C49}" type="datetimeFigureOut">
               <a:rPr lang="en-US" smtClean="0"/>
-              <a:t>11/15/23</a:t>
+              <a:t>11/26/23</a:t>
             </a:fld>
             <a:endParaRPr lang="en-US"/>
           </a:p>
@@ -1499,7 +1501,7 @@
     </p:spTree>
     <p:extLst>
       <p:ext uri="{BB962C8B-B14F-4D97-AF65-F5344CB8AC3E}">
-        <p14:creationId xmlns:p14="http://schemas.microsoft.com/office/powerpoint/2010/main" val="1138995857"/>
+        <p14:creationId xmlns:p14="http://schemas.microsoft.com/office/powerpoint/2010/main" val="1924269920"/>
       </p:ext>
     </p:extLst>
   </p:cSld>
@@ -1561,8 +1563,8 @@
         </p:nvSpPr>
         <p:spPr>
           <a:xfrm>
-            <a:off x="408623" y="1947333"/>
-            <a:ext cx="2526030" cy="4641427"/>
+            <a:off x="817245" y="973666"/>
+            <a:ext cx="5052060" cy="2320714"/>
           </a:xfrm>
         </p:spPr>
         <p:txBody>
@@ -1618,8 +1620,8 @@
         </p:nvSpPr>
         <p:spPr>
           <a:xfrm>
-            <a:off x="3008948" y="1947333"/>
-            <a:ext cx="2526030" cy="4641427"/>
+            <a:off x="6017895" y="973666"/>
+            <a:ext cx="5052060" cy="2320714"/>
           </a:xfrm>
         </p:spPr>
         <p:txBody>
@@ -1680,7 +1682,7 @@
           <a:p>
             <a:fld id="{4C61E066-1182-A048-9922-ABF797884C49}" type="datetimeFigureOut">
               <a:rPr lang="en-US" smtClean="0"/>
-              <a:t>11/15/23</a:t>
+              <a:t>11/26/23</a:t>
             </a:fld>
             <a:endParaRPr lang="en-US"/>
           </a:p>
@@ -1731,7 +1733,7 @@
     </p:spTree>
     <p:extLst>
       <p:ext uri="{BB962C8B-B14F-4D97-AF65-F5344CB8AC3E}">
-        <p14:creationId xmlns:p14="http://schemas.microsoft.com/office/powerpoint/2010/main" val="532403727"/>
+        <p14:creationId xmlns:p14="http://schemas.microsoft.com/office/powerpoint/2010/main" val="4083214266"/>
       </p:ext>
     </p:extLst>
   </p:cSld>
@@ -1770,8 +1772,8 @@
         </p:nvSpPr>
         <p:spPr>
           <a:xfrm>
-            <a:off x="409397" y="389468"/>
-            <a:ext cx="5126355" cy="1413934"/>
+            <a:off x="818793" y="194734"/>
+            <a:ext cx="10252710" cy="706967"/>
           </a:xfrm>
         </p:spPr>
         <p:txBody>
@@ -1798,8 +1800,8 @@
         </p:nvSpPr>
         <p:spPr>
           <a:xfrm>
-            <a:off x="409397" y="1793241"/>
-            <a:ext cx="2514421" cy="878839"/>
+            <a:off x="818794" y="896620"/>
+            <a:ext cx="5028842" cy="439420"/>
           </a:xfrm>
         </p:spPr>
         <p:txBody>
@@ -1807,39 +1809,39 @@
           <a:lstStyle>
             <a:lvl1pPr marL="0" indent="0">
               <a:buNone/>
-              <a:defRPr sz="1560" b="1"/>
+              <a:defRPr sz="1280" b="1"/>
             </a:lvl1pPr>
-            <a:lvl2pPr marL="297180" indent="0">
-              <a:buNone/>
-              <a:defRPr sz="1300" b="1"/>
+            <a:lvl2pPr marL="243825" indent="0">
+              <a:buNone/>
+              <a:defRPr sz="1067" b="1"/>
             </a:lvl2pPr>
-            <a:lvl3pPr marL="594360" indent="0">
-              <a:buNone/>
-              <a:defRPr sz="1170" b="1"/>
+            <a:lvl3pPr marL="487650" indent="0">
+              <a:buNone/>
+              <a:defRPr sz="960" b="1"/>
             </a:lvl3pPr>
-            <a:lvl4pPr marL="891540" indent="0">
-              <a:buNone/>
-              <a:defRPr sz="1040" b="1"/>
+            <a:lvl4pPr marL="731474" indent="0">
+              <a:buNone/>
+              <a:defRPr sz="853" b="1"/>
             </a:lvl4pPr>
-            <a:lvl5pPr marL="1188720" indent="0">
-              <a:buNone/>
-              <a:defRPr sz="1040" b="1"/>
+            <a:lvl5pPr marL="975299" indent="0">
+              <a:buNone/>
+              <a:defRPr sz="853" b="1"/>
             </a:lvl5pPr>
-            <a:lvl6pPr marL="1485900" indent="0">
-              <a:buNone/>
-              <a:defRPr sz="1040" b="1"/>
+            <a:lvl6pPr marL="1219124" indent="0">
+              <a:buNone/>
+              <a:defRPr sz="853" b="1"/>
             </a:lvl6pPr>
-            <a:lvl7pPr marL="1783080" indent="0">
-              <a:buNone/>
-              <a:defRPr sz="1040" b="1"/>
+            <a:lvl7pPr marL="1462949" indent="0">
+              <a:buNone/>
+              <a:defRPr sz="853" b="1"/>
             </a:lvl7pPr>
-            <a:lvl8pPr marL="2080260" indent="0">
-              <a:buNone/>
-              <a:defRPr sz="1040" b="1"/>
+            <a:lvl8pPr marL="1706773" indent="0">
+              <a:buNone/>
+              <a:defRPr sz="853" b="1"/>
             </a:lvl8pPr>
-            <a:lvl9pPr marL="2377440" indent="0">
-              <a:buNone/>
-              <a:defRPr sz="1040" b="1"/>
+            <a:lvl9pPr marL="1950598" indent="0">
+              <a:buNone/>
+              <a:defRPr sz="853" b="1"/>
             </a:lvl9pPr>
           </a:lstStyle>
           <a:p>
@@ -1863,8 +1865,8 @@
         </p:nvSpPr>
         <p:spPr>
           <a:xfrm>
-            <a:off x="409397" y="2672080"/>
-            <a:ext cx="2514421" cy="3930227"/>
+            <a:off x="818794" y="1336040"/>
+            <a:ext cx="5028842" cy="1965114"/>
           </a:xfrm>
         </p:spPr>
         <p:txBody>
@@ -1920,8 +1922,8 @@
         </p:nvSpPr>
         <p:spPr>
           <a:xfrm>
-            <a:off x="3008948" y="1793241"/>
-            <a:ext cx="2526804" cy="878839"/>
+            <a:off x="6017895" y="896620"/>
+            <a:ext cx="5053608" cy="439420"/>
           </a:xfrm>
         </p:spPr>
         <p:txBody>
@@ -1929,39 +1931,39 @@
           <a:lstStyle>
             <a:lvl1pPr marL="0" indent="0">
               <a:buNone/>
-              <a:defRPr sz="1560" b="1"/>
+              <a:defRPr sz="1280" b="1"/>
             </a:lvl1pPr>
-            <a:lvl2pPr marL="297180" indent="0">
-              <a:buNone/>
-              <a:defRPr sz="1300" b="1"/>
+            <a:lvl2pPr marL="243825" indent="0">
+              <a:buNone/>
+              <a:defRPr sz="1067" b="1"/>
             </a:lvl2pPr>
-            <a:lvl3pPr marL="594360" indent="0">
-              <a:buNone/>
-              <a:defRPr sz="1170" b="1"/>
+            <a:lvl3pPr marL="487650" indent="0">
+              <a:buNone/>
+              <a:defRPr sz="960" b="1"/>
             </a:lvl3pPr>
-            <a:lvl4pPr marL="891540" indent="0">
-              <a:buNone/>
-              <a:defRPr sz="1040" b="1"/>
+            <a:lvl4pPr marL="731474" indent="0">
+              <a:buNone/>
+              <a:defRPr sz="853" b="1"/>
             </a:lvl4pPr>
-            <a:lvl5pPr marL="1188720" indent="0">
-              <a:buNone/>
-              <a:defRPr sz="1040" b="1"/>
+            <a:lvl5pPr marL="975299" indent="0">
+              <a:buNone/>
+              <a:defRPr sz="853" b="1"/>
             </a:lvl5pPr>
-            <a:lvl6pPr marL="1485900" indent="0">
-              <a:buNone/>
-              <a:defRPr sz="1040" b="1"/>
+            <a:lvl6pPr marL="1219124" indent="0">
+              <a:buNone/>
+              <a:defRPr sz="853" b="1"/>
             </a:lvl6pPr>
-            <a:lvl7pPr marL="1783080" indent="0">
-              <a:buNone/>
-              <a:defRPr sz="1040" b="1"/>
+            <a:lvl7pPr marL="1462949" indent="0">
+              <a:buNone/>
+              <a:defRPr sz="853" b="1"/>
             </a:lvl7pPr>
-            <a:lvl8pPr marL="2080260" indent="0">
-              <a:buNone/>
-              <a:defRPr sz="1040" b="1"/>
+            <a:lvl8pPr marL="1706773" indent="0">
+              <a:buNone/>
+              <a:defRPr sz="853" b="1"/>
             </a:lvl8pPr>
-            <a:lvl9pPr marL="2377440" indent="0">
-              <a:buNone/>
-              <a:defRPr sz="1040" b="1"/>
+            <a:lvl9pPr marL="1950598" indent="0">
+              <a:buNone/>
+              <a:defRPr sz="853" b="1"/>
             </a:lvl9pPr>
           </a:lstStyle>
           <a:p>
@@ -1985,8 +1987,8 @@
         </p:nvSpPr>
         <p:spPr>
           <a:xfrm>
-            <a:off x="3008948" y="2672080"/>
-            <a:ext cx="2526804" cy="3930227"/>
+            <a:off x="6017895" y="1336040"/>
+            <a:ext cx="5053608" cy="1965114"/>
           </a:xfrm>
         </p:spPr>
         <p:txBody>
@@ -2047,7 +2049,7 @@
           <a:p>
             <a:fld id="{4C61E066-1182-A048-9922-ABF797884C49}" type="datetimeFigureOut">
               <a:rPr lang="en-US" smtClean="0"/>
-              <a:t>11/15/23</a:t>
+              <a:t>11/26/23</a:t>
             </a:fld>
             <a:endParaRPr lang="en-US"/>
           </a:p>
@@ -2098,7 +2100,7 @@
     </p:spTree>
     <p:extLst>
       <p:ext uri="{BB962C8B-B14F-4D97-AF65-F5344CB8AC3E}">
-        <p14:creationId xmlns:p14="http://schemas.microsoft.com/office/powerpoint/2010/main" val="941946760"/>
+        <p14:creationId xmlns:p14="http://schemas.microsoft.com/office/powerpoint/2010/main" val="2127971802"/>
       </p:ext>
     </p:extLst>
   </p:cSld>
@@ -2165,7 +2167,7 @@
           <a:p>
             <a:fld id="{4C61E066-1182-A048-9922-ABF797884C49}" type="datetimeFigureOut">
               <a:rPr lang="en-US" smtClean="0"/>
-              <a:t>11/15/23</a:t>
+              <a:t>11/26/23</a:t>
             </a:fld>
             <a:endParaRPr lang="en-US"/>
           </a:p>
@@ -2216,7 +2218,7 @@
     </p:spTree>
     <p:extLst>
       <p:ext uri="{BB962C8B-B14F-4D97-AF65-F5344CB8AC3E}">
-        <p14:creationId xmlns:p14="http://schemas.microsoft.com/office/powerpoint/2010/main" val="3676538618"/>
+        <p14:creationId xmlns:p14="http://schemas.microsoft.com/office/powerpoint/2010/main" val="2228631295"/>
       </p:ext>
     </p:extLst>
   </p:cSld>
@@ -2260,7 +2262,7 @@
           <a:p>
             <a:fld id="{4C61E066-1182-A048-9922-ABF797884C49}" type="datetimeFigureOut">
               <a:rPr lang="en-US" smtClean="0"/>
-              <a:t>11/15/23</a:t>
+              <a:t>11/26/23</a:t>
             </a:fld>
             <a:endParaRPr lang="en-US"/>
           </a:p>
@@ -2311,7 +2313,7 @@
     </p:spTree>
     <p:extLst>
       <p:ext uri="{BB962C8B-B14F-4D97-AF65-F5344CB8AC3E}">
-        <p14:creationId xmlns:p14="http://schemas.microsoft.com/office/powerpoint/2010/main" val="3545276240"/>
+        <p14:creationId xmlns:p14="http://schemas.microsoft.com/office/powerpoint/2010/main" val="2726114597"/>
       </p:ext>
     </p:extLst>
   </p:cSld>
@@ -2350,15 +2352,15 @@
         </p:nvSpPr>
         <p:spPr>
           <a:xfrm>
-            <a:off x="409397" y="487680"/>
-            <a:ext cx="1916966" cy="1706880"/>
+            <a:off x="818794" y="243840"/>
+            <a:ext cx="3833931" cy="853440"/>
           </a:xfrm>
         </p:spPr>
         <p:txBody>
           <a:bodyPr anchor="b"/>
           <a:lstStyle>
             <a:lvl1pPr>
-              <a:defRPr sz="2080"/>
+              <a:defRPr sz="1707"/>
             </a:lvl1pPr>
           </a:lstStyle>
           <a:p>
@@ -2382,39 +2384,39 @@
         </p:nvSpPr>
         <p:spPr>
           <a:xfrm>
-            <a:off x="2526804" y="1053255"/>
-            <a:ext cx="3008948" cy="5198533"/>
+            <a:off x="5053608" y="526627"/>
+            <a:ext cx="6017895" cy="2599267"/>
           </a:xfrm>
         </p:spPr>
         <p:txBody>
           <a:bodyPr/>
           <a:lstStyle>
             <a:lvl1pPr>
-              <a:defRPr sz="2080"/>
+              <a:defRPr sz="1707"/>
             </a:lvl1pPr>
             <a:lvl2pPr>
-              <a:defRPr sz="1820"/>
+              <a:defRPr sz="1493"/>
             </a:lvl2pPr>
             <a:lvl3pPr>
-              <a:defRPr sz="1560"/>
+              <a:defRPr sz="1280"/>
             </a:lvl3pPr>
             <a:lvl4pPr>
-              <a:defRPr sz="1300"/>
+              <a:defRPr sz="1067"/>
             </a:lvl4pPr>
             <a:lvl5pPr>
-              <a:defRPr sz="1300"/>
+              <a:defRPr sz="1067"/>
             </a:lvl5pPr>
             <a:lvl6pPr>
-              <a:defRPr sz="1300"/>
+              <a:defRPr sz="1067"/>
             </a:lvl6pPr>
             <a:lvl7pPr>
-              <a:defRPr sz="1300"/>
+              <a:defRPr sz="1067"/>
             </a:lvl7pPr>
             <a:lvl8pPr>
-              <a:defRPr sz="1300"/>
+              <a:defRPr sz="1067"/>
             </a:lvl8pPr>
             <a:lvl9pPr>
-              <a:defRPr sz="1300"/>
+              <a:defRPr sz="1067"/>
             </a:lvl9pPr>
           </a:lstStyle>
           <a:p>
@@ -2467,8 +2469,8 @@
         </p:nvSpPr>
         <p:spPr>
           <a:xfrm>
-            <a:off x="409397" y="2194560"/>
-            <a:ext cx="1916966" cy="4065694"/>
+            <a:off x="818794" y="1097280"/>
+            <a:ext cx="3833931" cy="2032847"/>
           </a:xfrm>
         </p:spPr>
         <p:txBody>
@@ -2476,39 +2478,39 @@
           <a:lstStyle>
             <a:lvl1pPr marL="0" indent="0">
               <a:buNone/>
-              <a:defRPr sz="1040"/>
+              <a:defRPr sz="853"/>
             </a:lvl1pPr>
-            <a:lvl2pPr marL="297180" indent="0">
-              <a:buNone/>
-              <a:defRPr sz="910"/>
+            <a:lvl2pPr marL="243825" indent="0">
+              <a:buNone/>
+              <a:defRPr sz="747"/>
             </a:lvl2pPr>
-            <a:lvl3pPr marL="594360" indent="0">
-              <a:buNone/>
-              <a:defRPr sz="780"/>
+            <a:lvl3pPr marL="487650" indent="0">
+              <a:buNone/>
+              <a:defRPr sz="640"/>
             </a:lvl3pPr>
-            <a:lvl4pPr marL="891540" indent="0">
-              <a:buNone/>
-              <a:defRPr sz="650"/>
+            <a:lvl4pPr marL="731474" indent="0">
+              <a:buNone/>
+              <a:defRPr sz="533"/>
             </a:lvl4pPr>
-            <a:lvl5pPr marL="1188720" indent="0">
-              <a:buNone/>
-              <a:defRPr sz="650"/>
+            <a:lvl5pPr marL="975299" indent="0">
+              <a:buNone/>
+              <a:defRPr sz="533"/>
             </a:lvl5pPr>
-            <a:lvl6pPr marL="1485900" indent="0">
-              <a:buNone/>
-              <a:defRPr sz="650"/>
+            <a:lvl6pPr marL="1219124" indent="0">
+              <a:buNone/>
+              <a:defRPr sz="533"/>
             </a:lvl6pPr>
-            <a:lvl7pPr marL="1783080" indent="0">
-              <a:buNone/>
-              <a:defRPr sz="650"/>
+            <a:lvl7pPr marL="1462949" indent="0">
+              <a:buNone/>
+              <a:defRPr sz="533"/>
             </a:lvl7pPr>
-            <a:lvl8pPr marL="2080260" indent="0">
-              <a:buNone/>
-              <a:defRPr sz="650"/>
+            <a:lvl8pPr marL="1706773" indent="0">
+              <a:buNone/>
+              <a:defRPr sz="533"/>
             </a:lvl8pPr>
-            <a:lvl9pPr marL="2377440" indent="0">
-              <a:buNone/>
-              <a:defRPr sz="650"/>
+            <a:lvl9pPr marL="1950598" indent="0">
+              <a:buNone/>
+              <a:defRPr sz="533"/>
             </a:lvl9pPr>
           </a:lstStyle>
           <a:p>
@@ -2537,7 +2539,7 @@
           <a:p>
             <a:fld id="{4C61E066-1182-A048-9922-ABF797884C49}" type="datetimeFigureOut">
               <a:rPr lang="en-US" smtClean="0"/>
-              <a:t>11/15/23</a:t>
+              <a:t>11/26/23</a:t>
             </a:fld>
             <a:endParaRPr lang="en-US"/>
           </a:p>
@@ -2588,7 +2590,7 @@
     </p:spTree>
     <p:extLst>
       <p:ext uri="{BB962C8B-B14F-4D97-AF65-F5344CB8AC3E}">
-        <p14:creationId xmlns:p14="http://schemas.microsoft.com/office/powerpoint/2010/main" val="2306897557"/>
+        <p14:creationId xmlns:p14="http://schemas.microsoft.com/office/powerpoint/2010/main" val="3048039197"/>
       </p:ext>
     </p:extLst>
   </p:cSld>
@@ -2627,15 +2629,15 @@
         </p:nvSpPr>
         <p:spPr>
           <a:xfrm>
-            <a:off x="409397" y="487680"/>
-            <a:ext cx="1916966" cy="1706880"/>
+            <a:off x="818794" y="243840"/>
+            <a:ext cx="3833931" cy="853440"/>
           </a:xfrm>
         </p:spPr>
         <p:txBody>
           <a:bodyPr anchor="b"/>
           <a:lstStyle>
             <a:lvl1pPr>
-              <a:defRPr sz="2080"/>
+              <a:defRPr sz="1707"/>
             </a:lvl1pPr>
           </a:lstStyle>
           <a:p>
@@ -2659,8 +2661,8 @@
         </p:nvSpPr>
         <p:spPr>
           <a:xfrm>
-            <a:off x="2526804" y="1053255"/>
-            <a:ext cx="3008948" cy="5198533"/>
+            <a:off x="5053608" y="526627"/>
+            <a:ext cx="6017895" cy="2599267"/>
           </a:xfrm>
         </p:spPr>
         <p:txBody>
@@ -2668,39 +2670,39 @@
           <a:lstStyle>
             <a:lvl1pPr marL="0" indent="0">
               <a:buNone/>
-              <a:defRPr sz="2080"/>
+              <a:defRPr sz="1707"/>
             </a:lvl1pPr>
-            <a:lvl2pPr marL="297180" indent="0">
-              <a:buNone/>
-              <a:defRPr sz="1820"/>
+            <a:lvl2pPr marL="243825" indent="0">
+              <a:buNone/>
+              <a:defRPr sz="1493"/>
             </a:lvl2pPr>
-            <a:lvl3pPr marL="594360" indent="0">
-              <a:buNone/>
-              <a:defRPr sz="1560"/>
+            <a:lvl3pPr marL="487650" indent="0">
+              <a:buNone/>
+              <a:defRPr sz="1280"/>
             </a:lvl3pPr>
-            <a:lvl4pPr marL="891540" indent="0">
-              <a:buNone/>
-              <a:defRPr sz="1300"/>
+            <a:lvl4pPr marL="731474" indent="0">
+              <a:buNone/>
+              <a:defRPr sz="1067"/>
             </a:lvl4pPr>
-            <a:lvl5pPr marL="1188720" indent="0">
-              <a:buNone/>
-              <a:defRPr sz="1300"/>
+            <a:lvl5pPr marL="975299" indent="0">
+              <a:buNone/>
+              <a:defRPr sz="1067"/>
             </a:lvl5pPr>
-            <a:lvl6pPr marL="1485900" indent="0">
-              <a:buNone/>
-              <a:defRPr sz="1300"/>
+            <a:lvl6pPr marL="1219124" indent="0">
+              <a:buNone/>
+              <a:defRPr sz="1067"/>
             </a:lvl6pPr>
-            <a:lvl7pPr marL="1783080" indent="0">
-              <a:buNone/>
-              <a:defRPr sz="1300"/>
+            <a:lvl7pPr marL="1462949" indent="0">
+              <a:buNone/>
+              <a:defRPr sz="1067"/>
             </a:lvl7pPr>
-            <a:lvl8pPr marL="2080260" indent="0">
-              <a:buNone/>
-              <a:defRPr sz="1300"/>
+            <a:lvl8pPr marL="1706773" indent="0">
+              <a:buNone/>
+              <a:defRPr sz="1067"/>
             </a:lvl8pPr>
-            <a:lvl9pPr marL="2377440" indent="0">
-              <a:buNone/>
-              <a:defRPr sz="1300"/>
+            <a:lvl9pPr marL="1950598" indent="0">
+              <a:buNone/>
+              <a:defRPr sz="1067"/>
             </a:lvl9pPr>
           </a:lstStyle>
           <a:p>
@@ -2724,8 +2726,8 @@
         </p:nvSpPr>
         <p:spPr>
           <a:xfrm>
-            <a:off x="409397" y="2194560"/>
-            <a:ext cx="1916966" cy="4065694"/>
+            <a:off x="818794" y="1097280"/>
+            <a:ext cx="3833931" cy="2032847"/>
           </a:xfrm>
         </p:spPr>
         <p:txBody>
@@ -2733,39 +2735,39 @@
           <a:lstStyle>
             <a:lvl1pPr marL="0" indent="0">
               <a:buNone/>
-              <a:defRPr sz="1040"/>
+              <a:defRPr sz="853"/>
             </a:lvl1pPr>
-            <a:lvl2pPr marL="297180" indent="0">
-              <a:buNone/>
-              <a:defRPr sz="910"/>
+            <a:lvl2pPr marL="243825" indent="0">
+              <a:buNone/>
+              <a:defRPr sz="747"/>
             </a:lvl2pPr>
-            <a:lvl3pPr marL="594360" indent="0">
-              <a:buNone/>
-              <a:defRPr sz="780"/>
+            <a:lvl3pPr marL="487650" indent="0">
+              <a:buNone/>
+              <a:defRPr sz="640"/>
             </a:lvl3pPr>
-            <a:lvl4pPr marL="891540" indent="0">
-              <a:buNone/>
-              <a:defRPr sz="650"/>
+            <a:lvl4pPr marL="731474" indent="0">
+              <a:buNone/>
+              <a:defRPr sz="533"/>
             </a:lvl4pPr>
-            <a:lvl5pPr marL="1188720" indent="0">
-              <a:buNone/>
-              <a:defRPr sz="650"/>
+            <a:lvl5pPr marL="975299" indent="0">
+              <a:buNone/>
+              <a:defRPr sz="533"/>
             </a:lvl5pPr>
-            <a:lvl6pPr marL="1485900" indent="0">
-              <a:buNone/>
-              <a:defRPr sz="650"/>
+            <a:lvl6pPr marL="1219124" indent="0">
+              <a:buNone/>
+              <a:defRPr sz="533"/>
             </a:lvl6pPr>
-            <a:lvl7pPr marL="1783080" indent="0">
-              <a:buNone/>
-              <a:defRPr sz="650"/>
+            <a:lvl7pPr marL="1462949" indent="0">
+              <a:buNone/>
+              <a:defRPr sz="533"/>
             </a:lvl7pPr>
-            <a:lvl8pPr marL="2080260" indent="0">
-              <a:buNone/>
-              <a:defRPr sz="650"/>
+            <a:lvl8pPr marL="1706773" indent="0">
+              <a:buNone/>
+              <a:defRPr sz="533"/>
             </a:lvl8pPr>
-            <a:lvl9pPr marL="2377440" indent="0">
-              <a:buNone/>
-              <a:defRPr sz="650"/>
+            <a:lvl9pPr marL="1950598" indent="0">
+              <a:buNone/>
+              <a:defRPr sz="533"/>
             </a:lvl9pPr>
           </a:lstStyle>
           <a:p>
@@ -2794,7 +2796,7 @@
           <a:p>
             <a:fld id="{4C61E066-1182-A048-9922-ABF797884C49}" type="datetimeFigureOut">
               <a:rPr lang="en-US" smtClean="0"/>
-              <a:t>11/15/23</a:t>
+              <a:t>11/26/23</a:t>
             </a:fld>
             <a:endParaRPr lang="en-US"/>
           </a:p>
@@ -2845,7 +2847,7 @@
     </p:spTree>
     <p:extLst>
       <p:ext uri="{BB962C8B-B14F-4D97-AF65-F5344CB8AC3E}">
-        <p14:creationId xmlns:p14="http://schemas.microsoft.com/office/powerpoint/2010/main" val="500343214"/>
+        <p14:creationId xmlns:p14="http://schemas.microsoft.com/office/powerpoint/2010/main" val="3496729315"/>
       </p:ext>
     </p:extLst>
   </p:cSld>
@@ -2889,8 +2891,8 @@
         </p:nvSpPr>
         <p:spPr>
           <a:xfrm>
-            <a:off x="408623" y="389468"/>
-            <a:ext cx="5126355" cy="1413934"/>
+            <a:off x="817245" y="194734"/>
+            <a:ext cx="10252710" cy="706967"/>
           </a:xfrm>
           <a:prstGeom prst="rect">
             <a:avLst/>
@@ -2922,8 +2924,8 @@
         </p:nvSpPr>
         <p:spPr>
           <a:xfrm>
-            <a:off x="408623" y="1947333"/>
-            <a:ext cx="5126355" cy="4641427"/>
+            <a:off x="817245" y="973666"/>
+            <a:ext cx="10252710" cy="2320714"/>
           </a:xfrm>
           <a:prstGeom prst="rect">
             <a:avLst/>
@@ -2984,8 +2986,8 @@
         </p:nvSpPr>
         <p:spPr>
           <a:xfrm>
-            <a:off x="408622" y="6780108"/>
-            <a:ext cx="1337310" cy="389467"/>
+            <a:off x="817245" y="3390054"/>
+            <a:ext cx="2674620" cy="194733"/>
           </a:xfrm>
           <a:prstGeom prst="rect">
             <a:avLst/>
@@ -2995,7 +2997,7 @@
           <a:bodyPr vert="horz" lIns="91440" tIns="45720" rIns="91440" bIns="45720" rtlCol="0" anchor="ctr"/>
           <a:lstStyle>
             <a:lvl1pPr algn="l">
-              <a:defRPr sz="780">
+              <a:defRPr sz="640">
                 <a:solidFill>
                   <a:schemeClr val="tx1">
                     <a:tint val="75000"/>
@@ -3007,7 +3009,7 @@
           <a:p>
             <a:fld id="{4C61E066-1182-A048-9922-ABF797884C49}" type="datetimeFigureOut">
               <a:rPr lang="en-US" smtClean="0"/>
-              <a:t>11/15/23</a:t>
+              <a:t>11/26/23</a:t>
             </a:fld>
             <a:endParaRPr lang="en-US"/>
           </a:p>
@@ -3025,8 +3027,8 @@
         </p:nvSpPr>
         <p:spPr>
           <a:xfrm>
-            <a:off x="1968818" y="6780108"/>
-            <a:ext cx="2005965" cy="389467"/>
+            <a:off x="3937635" y="3390054"/>
+            <a:ext cx="4011930" cy="194733"/>
           </a:xfrm>
           <a:prstGeom prst="rect">
             <a:avLst/>
@@ -3036,7 +3038,7 @@
           <a:bodyPr vert="horz" lIns="91440" tIns="45720" rIns="91440" bIns="45720" rtlCol="0" anchor="ctr"/>
           <a:lstStyle>
             <a:lvl1pPr algn="ctr">
-              <a:defRPr sz="780">
+              <a:defRPr sz="640">
                 <a:solidFill>
                   <a:schemeClr val="tx1">
                     <a:tint val="75000"/>
@@ -3062,8 +3064,8 @@
         </p:nvSpPr>
         <p:spPr>
           <a:xfrm>
-            <a:off x="4197668" y="6780108"/>
-            <a:ext cx="1337310" cy="389467"/>
+            <a:off x="8395335" y="3390054"/>
+            <a:ext cx="2674620" cy="194733"/>
           </a:xfrm>
           <a:prstGeom prst="rect">
             <a:avLst/>
@@ -3073,7 +3075,7 @@
           <a:bodyPr vert="horz" lIns="91440" tIns="45720" rIns="91440" bIns="45720" rtlCol="0" anchor="ctr"/>
           <a:lstStyle>
             <a:lvl1pPr algn="r">
-              <a:defRPr sz="780">
+              <a:defRPr sz="640">
                 <a:solidFill>
                   <a:schemeClr val="tx1">
                     <a:tint val="75000"/>
@@ -3094,27 +3096,27 @@
     </p:spTree>
     <p:extLst>
       <p:ext uri="{BB962C8B-B14F-4D97-AF65-F5344CB8AC3E}">
-        <p14:creationId xmlns:p14="http://schemas.microsoft.com/office/powerpoint/2010/main" val="3894435957"/>
+        <p14:creationId xmlns:p14="http://schemas.microsoft.com/office/powerpoint/2010/main" val="3134353977"/>
       </p:ext>
     </p:extLst>
   </p:cSld>
   <p:clrMap bg1="lt1" tx1="dk1" bg2="lt2" tx2="dk2" accent1="accent1" accent2="accent2" accent3="accent3" accent4="accent4" accent5="accent5" accent6="accent6" hlink="hlink" folHlink="folHlink"/>
   <p:sldLayoutIdLst>
-    <p:sldLayoutId id="2147483721" r:id="rId1"/>
-    <p:sldLayoutId id="2147483722" r:id="rId2"/>
-    <p:sldLayoutId id="2147483723" r:id="rId3"/>
-    <p:sldLayoutId id="2147483724" r:id="rId4"/>
-    <p:sldLayoutId id="2147483725" r:id="rId5"/>
-    <p:sldLayoutId id="2147483726" r:id="rId6"/>
-    <p:sldLayoutId id="2147483727" r:id="rId7"/>
-    <p:sldLayoutId id="2147483728" r:id="rId8"/>
-    <p:sldLayoutId id="2147483729" r:id="rId9"/>
-    <p:sldLayoutId id="2147483730" r:id="rId10"/>
-    <p:sldLayoutId id="2147483731" r:id="rId11"/>
+    <p:sldLayoutId id="2147483745" r:id="rId1"/>
+    <p:sldLayoutId id="2147483746" r:id="rId2"/>
+    <p:sldLayoutId id="2147483747" r:id="rId3"/>
+    <p:sldLayoutId id="2147483748" r:id="rId4"/>
+    <p:sldLayoutId id="2147483749" r:id="rId5"/>
+    <p:sldLayoutId id="2147483750" r:id="rId6"/>
+    <p:sldLayoutId id="2147483751" r:id="rId7"/>
+    <p:sldLayoutId id="2147483752" r:id="rId8"/>
+    <p:sldLayoutId id="2147483753" r:id="rId9"/>
+    <p:sldLayoutId id="2147483754" r:id="rId10"/>
+    <p:sldLayoutId id="2147483755" r:id="rId11"/>
   </p:sldLayoutIdLst>
   <p:txStyles>
     <p:titleStyle>
-      <a:lvl1pPr algn="l" defTabSz="594360" rtl="0" eaLnBrk="1" latinLnBrk="0" hangingPunct="1">
+      <a:lvl1pPr algn="l" defTabSz="487650" rtl="0" eaLnBrk="1" latinLnBrk="0" hangingPunct="1">
         <a:lnSpc>
           <a:spcPct val="90000"/>
         </a:lnSpc>
@@ -3122,7 +3124,7 @@
           <a:spcPct val="0"/>
         </a:spcBef>
         <a:buNone/>
-        <a:defRPr sz="2860" kern="1200">
+        <a:defRPr sz="2347" kern="1200">
           <a:solidFill>
             <a:schemeClr val="tx1"/>
           </a:solidFill>
@@ -3133,16 +3135,16 @@
       </a:lvl1pPr>
     </p:titleStyle>
     <p:bodyStyle>
-      <a:lvl1pPr marL="148590" indent="-148590" algn="l" defTabSz="594360" rtl="0" eaLnBrk="1" latinLnBrk="0" hangingPunct="1">
+      <a:lvl1pPr marL="121912" indent="-121912" algn="l" defTabSz="487650" rtl="0" eaLnBrk="1" latinLnBrk="0" hangingPunct="1">
         <a:lnSpc>
           <a:spcPct val="90000"/>
         </a:lnSpc>
         <a:spcBef>
-          <a:spcPts val="650"/>
+          <a:spcPts val="533"/>
         </a:spcBef>
         <a:buFont typeface="Arial" panose="020B0604020202020204" pitchFamily="34" charset="0"/>
         <a:buChar char="•"/>
-        <a:defRPr sz="1820" kern="1200">
+        <a:defRPr sz="1493" kern="1200">
           <a:solidFill>
             <a:schemeClr val="tx1"/>
           </a:solidFill>
@@ -3151,16 +3153,16 @@
           <a:cs typeface="+mn-cs"/>
         </a:defRPr>
       </a:lvl1pPr>
-      <a:lvl2pPr marL="445770" indent="-148590" algn="l" defTabSz="594360" rtl="0" eaLnBrk="1" latinLnBrk="0" hangingPunct="1">
+      <a:lvl2pPr marL="365737" indent="-121912" algn="l" defTabSz="487650" rtl="0" eaLnBrk="1" latinLnBrk="0" hangingPunct="1">
         <a:lnSpc>
           <a:spcPct val="90000"/>
         </a:lnSpc>
         <a:spcBef>
-          <a:spcPts val="325"/>
+          <a:spcPts val="267"/>
         </a:spcBef>
         <a:buFont typeface="Arial" panose="020B0604020202020204" pitchFamily="34" charset="0"/>
         <a:buChar char="•"/>
-        <a:defRPr sz="1560" kern="1200">
+        <a:defRPr sz="1280" kern="1200">
           <a:solidFill>
             <a:schemeClr val="tx1"/>
           </a:solidFill>
@@ -3169,16 +3171,16 @@
           <a:cs typeface="+mn-cs"/>
         </a:defRPr>
       </a:lvl2pPr>
-      <a:lvl3pPr marL="742950" indent="-148590" algn="l" defTabSz="594360" rtl="0" eaLnBrk="1" latinLnBrk="0" hangingPunct="1">
+      <a:lvl3pPr marL="609562" indent="-121912" algn="l" defTabSz="487650" rtl="0" eaLnBrk="1" latinLnBrk="0" hangingPunct="1">
         <a:lnSpc>
           <a:spcPct val="90000"/>
         </a:lnSpc>
         <a:spcBef>
-          <a:spcPts val="325"/>
+          <a:spcPts val="267"/>
         </a:spcBef>
         <a:buFont typeface="Arial" panose="020B0604020202020204" pitchFamily="34" charset="0"/>
         <a:buChar char="•"/>
-        <a:defRPr sz="1300" kern="1200">
+        <a:defRPr sz="1067" kern="1200">
           <a:solidFill>
             <a:schemeClr val="tx1"/>
           </a:solidFill>
@@ -3187,16 +3189,16 @@
           <a:cs typeface="+mn-cs"/>
         </a:defRPr>
       </a:lvl3pPr>
-      <a:lvl4pPr marL="1040130" indent="-148590" algn="l" defTabSz="594360" rtl="0" eaLnBrk="1" latinLnBrk="0" hangingPunct="1">
+      <a:lvl4pPr marL="853387" indent="-121912" algn="l" defTabSz="487650" rtl="0" eaLnBrk="1" latinLnBrk="0" hangingPunct="1">
         <a:lnSpc>
           <a:spcPct val="90000"/>
         </a:lnSpc>
         <a:spcBef>
-          <a:spcPts val="325"/>
+          <a:spcPts val="267"/>
         </a:spcBef>
         <a:buFont typeface="Arial" panose="020B0604020202020204" pitchFamily="34" charset="0"/>
         <a:buChar char="•"/>
-        <a:defRPr sz="1170" kern="1200">
+        <a:defRPr sz="960" kern="1200">
           <a:solidFill>
             <a:schemeClr val="tx1"/>
           </a:solidFill>
@@ -3205,16 +3207,16 @@
           <a:cs typeface="+mn-cs"/>
         </a:defRPr>
       </a:lvl4pPr>
-      <a:lvl5pPr marL="1337310" indent="-148590" algn="l" defTabSz="594360" rtl="0" eaLnBrk="1" latinLnBrk="0" hangingPunct="1">
+      <a:lvl5pPr marL="1097211" indent="-121912" algn="l" defTabSz="487650" rtl="0" eaLnBrk="1" latinLnBrk="0" hangingPunct="1">
         <a:lnSpc>
           <a:spcPct val="90000"/>
         </a:lnSpc>
         <a:spcBef>
-          <a:spcPts val="325"/>
+          <a:spcPts val="267"/>
         </a:spcBef>
         <a:buFont typeface="Arial" panose="020B0604020202020204" pitchFamily="34" charset="0"/>
         <a:buChar char="•"/>
-        <a:defRPr sz="1170" kern="1200">
+        <a:defRPr sz="960" kern="1200">
           <a:solidFill>
             <a:schemeClr val="tx1"/>
           </a:solidFill>
@@ -3223,16 +3225,16 @@
           <a:cs typeface="+mn-cs"/>
         </a:defRPr>
       </a:lvl5pPr>
-      <a:lvl6pPr marL="1634490" indent="-148590" algn="l" defTabSz="594360" rtl="0" eaLnBrk="1" latinLnBrk="0" hangingPunct="1">
+      <a:lvl6pPr marL="1341036" indent="-121912" algn="l" defTabSz="487650" rtl="0" eaLnBrk="1" latinLnBrk="0" hangingPunct="1">
         <a:lnSpc>
           <a:spcPct val="90000"/>
         </a:lnSpc>
         <a:spcBef>
-          <a:spcPts val="325"/>
+          <a:spcPts val="267"/>
         </a:spcBef>
         <a:buFont typeface="Arial" panose="020B0604020202020204" pitchFamily="34" charset="0"/>
         <a:buChar char="•"/>
-        <a:defRPr sz="1170" kern="1200">
+        <a:defRPr sz="960" kern="1200">
           <a:solidFill>
             <a:schemeClr val="tx1"/>
           </a:solidFill>
@@ -3241,16 +3243,16 @@
           <a:cs typeface="+mn-cs"/>
         </a:defRPr>
       </a:lvl6pPr>
-      <a:lvl7pPr marL="1931670" indent="-148590" algn="l" defTabSz="594360" rtl="0" eaLnBrk="1" latinLnBrk="0" hangingPunct="1">
+      <a:lvl7pPr marL="1584861" indent="-121912" algn="l" defTabSz="487650" rtl="0" eaLnBrk="1" latinLnBrk="0" hangingPunct="1">
         <a:lnSpc>
           <a:spcPct val="90000"/>
         </a:lnSpc>
         <a:spcBef>
-          <a:spcPts val="325"/>
+          <a:spcPts val="267"/>
         </a:spcBef>
         <a:buFont typeface="Arial" panose="020B0604020202020204" pitchFamily="34" charset="0"/>
         <a:buChar char="•"/>
-        <a:defRPr sz="1170" kern="1200">
+        <a:defRPr sz="960" kern="1200">
           <a:solidFill>
             <a:schemeClr val="tx1"/>
           </a:solidFill>
@@ -3259,16 +3261,16 @@
           <a:cs typeface="+mn-cs"/>
         </a:defRPr>
       </a:lvl7pPr>
-      <a:lvl8pPr marL="2228850" indent="-148590" algn="l" defTabSz="594360" rtl="0" eaLnBrk="1" latinLnBrk="0" hangingPunct="1">
+      <a:lvl8pPr marL="1828686" indent="-121912" algn="l" defTabSz="487650" rtl="0" eaLnBrk="1" latinLnBrk="0" hangingPunct="1">
         <a:lnSpc>
           <a:spcPct val="90000"/>
         </a:lnSpc>
         <a:spcBef>
-          <a:spcPts val="325"/>
+          <a:spcPts val="267"/>
         </a:spcBef>
         <a:buFont typeface="Arial" panose="020B0604020202020204" pitchFamily="34" charset="0"/>
         <a:buChar char="•"/>
-        <a:defRPr sz="1170" kern="1200">
+        <a:defRPr sz="960" kern="1200">
           <a:solidFill>
             <a:schemeClr val="tx1"/>
           </a:solidFill>
@@ -3277,16 +3279,16 @@
           <a:cs typeface="+mn-cs"/>
         </a:defRPr>
       </a:lvl8pPr>
-      <a:lvl9pPr marL="2526030" indent="-148590" algn="l" defTabSz="594360" rtl="0" eaLnBrk="1" latinLnBrk="0" hangingPunct="1">
+      <a:lvl9pPr marL="2072510" indent="-121912" algn="l" defTabSz="487650" rtl="0" eaLnBrk="1" latinLnBrk="0" hangingPunct="1">
         <a:lnSpc>
           <a:spcPct val="90000"/>
         </a:lnSpc>
         <a:spcBef>
-          <a:spcPts val="325"/>
+          <a:spcPts val="267"/>
         </a:spcBef>
         <a:buFont typeface="Arial" panose="020B0604020202020204" pitchFamily="34" charset="0"/>
         <a:buChar char="•"/>
-        <a:defRPr sz="1170" kern="1200">
+        <a:defRPr sz="960" kern="1200">
           <a:solidFill>
             <a:schemeClr val="tx1"/>
           </a:solidFill>
@@ -3300,8 +3302,8 @@
       <a:defPPr>
         <a:defRPr lang="en-US"/>
       </a:defPPr>
-      <a:lvl1pPr marL="0" algn="l" defTabSz="594360" rtl="0" eaLnBrk="1" latinLnBrk="0" hangingPunct="1">
-        <a:defRPr sz="1170" kern="1200">
+      <a:lvl1pPr marL="0" algn="l" defTabSz="487650" rtl="0" eaLnBrk="1" latinLnBrk="0" hangingPunct="1">
+        <a:defRPr sz="960" kern="1200">
           <a:solidFill>
             <a:schemeClr val="tx1"/>
           </a:solidFill>
@@ -3310,8 +3312,8 @@
           <a:cs typeface="+mn-cs"/>
         </a:defRPr>
       </a:lvl1pPr>
-      <a:lvl2pPr marL="297180" algn="l" defTabSz="594360" rtl="0" eaLnBrk="1" latinLnBrk="0" hangingPunct="1">
-        <a:defRPr sz="1170" kern="1200">
+      <a:lvl2pPr marL="243825" algn="l" defTabSz="487650" rtl="0" eaLnBrk="1" latinLnBrk="0" hangingPunct="1">
+        <a:defRPr sz="960" kern="1200">
           <a:solidFill>
             <a:schemeClr val="tx1"/>
           </a:solidFill>
@@ -3320,8 +3322,8 @@
           <a:cs typeface="+mn-cs"/>
         </a:defRPr>
       </a:lvl2pPr>
-      <a:lvl3pPr marL="594360" algn="l" defTabSz="594360" rtl="0" eaLnBrk="1" latinLnBrk="0" hangingPunct="1">
-        <a:defRPr sz="1170" kern="1200">
+      <a:lvl3pPr marL="487650" algn="l" defTabSz="487650" rtl="0" eaLnBrk="1" latinLnBrk="0" hangingPunct="1">
+        <a:defRPr sz="960" kern="1200">
           <a:solidFill>
             <a:schemeClr val="tx1"/>
           </a:solidFill>
@@ -3330,8 +3332,8 @@
           <a:cs typeface="+mn-cs"/>
         </a:defRPr>
       </a:lvl3pPr>
-      <a:lvl4pPr marL="891540" algn="l" defTabSz="594360" rtl="0" eaLnBrk="1" latinLnBrk="0" hangingPunct="1">
-        <a:defRPr sz="1170" kern="1200">
+      <a:lvl4pPr marL="731474" algn="l" defTabSz="487650" rtl="0" eaLnBrk="1" latinLnBrk="0" hangingPunct="1">
+        <a:defRPr sz="960" kern="1200">
           <a:solidFill>
             <a:schemeClr val="tx1"/>
           </a:solidFill>
@@ -3340,8 +3342,8 @@
           <a:cs typeface="+mn-cs"/>
         </a:defRPr>
       </a:lvl4pPr>
-      <a:lvl5pPr marL="1188720" algn="l" defTabSz="594360" rtl="0" eaLnBrk="1" latinLnBrk="0" hangingPunct="1">
-        <a:defRPr sz="1170" kern="1200">
+      <a:lvl5pPr marL="975299" algn="l" defTabSz="487650" rtl="0" eaLnBrk="1" latinLnBrk="0" hangingPunct="1">
+        <a:defRPr sz="960" kern="1200">
           <a:solidFill>
             <a:schemeClr val="tx1"/>
           </a:solidFill>
@@ -3350,8 +3352,8 @@
           <a:cs typeface="+mn-cs"/>
         </a:defRPr>
       </a:lvl5pPr>
-      <a:lvl6pPr marL="1485900" algn="l" defTabSz="594360" rtl="0" eaLnBrk="1" latinLnBrk="0" hangingPunct="1">
-        <a:defRPr sz="1170" kern="1200">
+      <a:lvl6pPr marL="1219124" algn="l" defTabSz="487650" rtl="0" eaLnBrk="1" latinLnBrk="0" hangingPunct="1">
+        <a:defRPr sz="960" kern="1200">
           <a:solidFill>
             <a:schemeClr val="tx1"/>
           </a:solidFill>
@@ -3360,8 +3362,8 @@
           <a:cs typeface="+mn-cs"/>
         </a:defRPr>
       </a:lvl6pPr>
-      <a:lvl7pPr marL="1783080" algn="l" defTabSz="594360" rtl="0" eaLnBrk="1" latinLnBrk="0" hangingPunct="1">
-        <a:defRPr sz="1170" kern="1200">
+      <a:lvl7pPr marL="1462949" algn="l" defTabSz="487650" rtl="0" eaLnBrk="1" latinLnBrk="0" hangingPunct="1">
+        <a:defRPr sz="960" kern="1200">
           <a:solidFill>
             <a:schemeClr val="tx1"/>
           </a:solidFill>
@@ -3370,8 +3372,8 @@
           <a:cs typeface="+mn-cs"/>
         </a:defRPr>
       </a:lvl7pPr>
-      <a:lvl8pPr marL="2080260" algn="l" defTabSz="594360" rtl="0" eaLnBrk="1" latinLnBrk="0" hangingPunct="1">
-        <a:defRPr sz="1170" kern="1200">
+      <a:lvl8pPr marL="1706773" algn="l" defTabSz="487650" rtl="0" eaLnBrk="1" latinLnBrk="0" hangingPunct="1">
+        <a:defRPr sz="960" kern="1200">
           <a:solidFill>
             <a:schemeClr val="tx1"/>
           </a:solidFill>
@@ -3380,8 +3382,8 @@
           <a:cs typeface="+mn-cs"/>
         </a:defRPr>
       </a:lvl8pPr>
-      <a:lvl9pPr marL="2377440" algn="l" defTabSz="594360" rtl="0" eaLnBrk="1" latinLnBrk="0" hangingPunct="1">
-        <a:defRPr sz="1170" kern="1200">
+      <a:lvl9pPr marL="1950598" algn="l" defTabSz="487650" rtl="0" eaLnBrk="1" latinLnBrk="0" hangingPunct="1">
+        <a:defRPr sz="960" kern="1200">
           <a:solidFill>
             <a:schemeClr val="tx1"/>
           </a:solidFill>
@@ -3412,76 +3414,271 @@
           <a:chExt cx="0" cy="0"/>
         </a:xfrm>
       </p:grpSpPr>
-      <p:pic>
-        <p:nvPicPr>
-          <p:cNvPr id="4" name="Picture 3">
+      <p:grpSp>
+        <p:nvGrpSpPr>
+          <p:cNvPr id="6" name="Group 5">
             <a:extLst>
               <a:ext uri="{FF2B5EF4-FFF2-40B4-BE49-F238E27FC236}">
-                <a16:creationId xmlns:a16="http://schemas.microsoft.com/office/drawing/2014/main" id="{C90E5181-4F54-10F5-3247-8F9AF33C69AF}"/>
+                <a16:creationId xmlns:a16="http://schemas.microsoft.com/office/drawing/2014/main" id="{DF9FB4A2-BD01-0A05-B965-21467FD9B568}"/>
               </a:ext>
             </a:extLst>
           </p:cNvPr>
-          <p:cNvPicPr>
-            <a:picLocks noChangeAspect="1"/>
-          </p:cNvPicPr>
+          <p:cNvGrpSpPr/>
           <p:nvPr/>
-        </p:nvPicPr>
-        <p:blipFill rotWithShape="1">
-          <a:blip r:embed="rId3"/>
-          <a:srcRect r="62418"/>
-          <a:stretch/>
-        </p:blipFill>
+        </p:nvGrpSpPr>
+        <p:grpSpPr>
+          <a:xfrm>
+            <a:off x="174865" y="231007"/>
+            <a:ext cx="11537470" cy="3398286"/>
+            <a:chOff x="136362" y="0"/>
+            <a:chExt cx="11537470" cy="3398286"/>
+          </a:xfrm>
+        </p:grpSpPr>
+        <p:pic>
+          <p:nvPicPr>
+            <p:cNvPr id="4" name="Picture 3">
+              <a:extLst>
+                <a:ext uri="{FF2B5EF4-FFF2-40B4-BE49-F238E27FC236}">
+                  <a16:creationId xmlns:a16="http://schemas.microsoft.com/office/drawing/2014/main" id="{C90E5181-4F54-10F5-3247-8F9AF33C69AF}"/>
+                </a:ext>
+              </a:extLst>
+            </p:cNvPr>
+            <p:cNvPicPr>
+              <a:picLocks noChangeAspect="1"/>
+            </p:cNvPicPr>
+            <p:nvPr/>
+          </p:nvPicPr>
+          <p:blipFill rotWithShape="1">
+            <a:blip r:embed="rId3"/>
+            <a:srcRect r="62418"/>
+            <a:stretch/>
+          </p:blipFill>
+          <p:spPr>
+            <a:xfrm>
+              <a:off x="136362" y="0"/>
+              <a:ext cx="5633982" cy="3398286"/>
+            </a:xfrm>
+            <a:prstGeom prst="rect">
+              <a:avLst/>
+            </a:prstGeom>
+          </p:spPr>
+        </p:pic>
+        <p:pic>
+          <p:nvPicPr>
+            <p:cNvPr id="2" name="Picture 1">
+              <a:extLst>
+                <a:ext uri="{FF2B5EF4-FFF2-40B4-BE49-F238E27FC236}">
+                  <a16:creationId xmlns:a16="http://schemas.microsoft.com/office/drawing/2014/main" id="{2365EEED-6BBF-0969-8625-4348C976762B}"/>
+                </a:ext>
+              </a:extLst>
+            </p:cNvPr>
+            <p:cNvPicPr>
+              <a:picLocks noChangeAspect="1"/>
+            </p:cNvPicPr>
+            <p:nvPr/>
+          </p:nvPicPr>
+          <p:blipFill rotWithShape="1">
+            <a:blip r:embed="rId4">
+              <a:extLst>
+                <a:ext uri="{BEBA8EAE-BF5A-486C-A8C5-ECC9F3942E4B}">
+                  <a14:imgProps xmlns:a14="http://schemas.microsoft.com/office/drawing/2010/main">
+                    <a14:imgLayer r:embed="rId5">
+                      <a14:imgEffect>
+                        <a14:saturation sat="0"/>
+                      </a14:imgEffect>
+                    </a14:imgLayer>
+                  </a14:imgProps>
+                </a:ext>
+              </a:extLst>
+            </a:blip>
+            <a:srcRect r="62418"/>
+            <a:stretch/>
+          </p:blipFill>
+          <p:spPr>
+            <a:xfrm>
+              <a:off x="6039850" y="0"/>
+              <a:ext cx="5633982" cy="3398286"/>
+            </a:xfrm>
+            <a:prstGeom prst="rect">
+              <a:avLst/>
+            </a:prstGeom>
+          </p:spPr>
+        </p:pic>
+        <p:sp>
+          <p:nvSpPr>
+            <p:cNvPr id="3" name="Rectangle 2">
+              <a:extLst>
+                <a:ext uri="{FF2B5EF4-FFF2-40B4-BE49-F238E27FC236}">
+                  <a16:creationId xmlns:a16="http://schemas.microsoft.com/office/drawing/2014/main" id="{AFBFCBB2-6F0F-6165-2B2A-1A040CDB6911}"/>
+                </a:ext>
+              </a:extLst>
+            </p:cNvPr>
+            <p:cNvSpPr/>
+            <p:nvPr/>
+          </p:nvSpPr>
+          <p:spPr>
+            <a:xfrm>
+              <a:off x="213368" y="173255"/>
+              <a:ext cx="219769" cy="317633"/>
+            </a:xfrm>
+            <a:prstGeom prst="rect">
+              <a:avLst/>
+            </a:prstGeom>
+            <a:solidFill>
+              <a:schemeClr val="bg1"/>
+            </a:solidFill>
+            <a:ln>
+              <a:noFill/>
+            </a:ln>
+          </p:spPr>
+          <p:style>
+            <a:lnRef idx="2">
+              <a:schemeClr val="accent1">
+                <a:shade val="15000"/>
+              </a:schemeClr>
+            </a:lnRef>
+            <a:fillRef idx="1">
+              <a:schemeClr val="accent1"/>
+            </a:fillRef>
+            <a:effectRef idx="0">
+              <a:schemeClr val="accent1"/>
+            </a:effectRef>
+            <a:fontRef idx="minor">
+              <a:schemeClr val="lt1"/>
+            </a:fontRef>
+          </p:style>
+          <p:txBody>
+            <a:bodyPr rtlCol="0" anchor="ctr"/>
+            <a:lstStyle/>
+            <a:p>
+              <a:pPr algn="ctr"/>
+              <a:endParaRPr lang="en-US"/>
+            </a:p>
+          </p:txBody>
+        </p:sp>
+        <p:sp>
+          <p:nvSpPr>
+            <p:cNvPr id="5" name="Rectangle 4">
+              <a:extLst>
+                <a:ext uri="{FF2B5EF4-FFF2-40B4-BE49-F238E27FC236}">
+                  <a16:creationId xmlns:a16="http://schemas.microsoft.com/office/drawing/2014/main" id="{0A00E30C-2808-E6DC-F3B3-F417A53735A4}"/>
+                </a:ext>
+              </a:extLst>
+            </p:cNvPr>
+            <p:cNvSpPr/>
+            <p:nvPr/>
+          </p:nvSpPr>
+          <p:spPr>
+            <a:xfrm>
+              <a:off x="6160177" y="173255"/>
+              <a:ext cx="219769" cy="317633"/>
+            </a:xfrm>
+            <a:prstGeom prst="rect">
+              <a:avLst/>
+            </a:prstGeom>
+            <a:solidFill>
+              <a:schemeClr val="bg1"/>
+            </a:solidFill>
+            <a:ln>
+              <a:noFill/>
+            </a:ln>
+          </p:spPr>
+          <p:style>
+            <a:lnRef idx="2">
+              <a:schemeClr val="accent1">
+                <a:shade val="15000"/>
+              </a:schemeClr>
+            </a:lnRef>
+            <a:fillRef idx="1">
+              <a:schemeClr val="accent1"/>
+            </a:fillRef>
+            <a:effectRef idx="0">
+              <a:schemeClr val="accent1"/>
+            </a:effectRef>
+            <a:fontRef idx="minor">
+              <a:schemeClr val="lt1"/>
+            </a:fontRef>
+          </p:style>
+          <p:txBody>
+            <a:bodyPr rtlCol="0" anchor="ctr"/>
+            <a:lstStyle/>
+            <a:p>
+              <a:pPr algn="ctr"/>
+              <a:endParaRPr lang="en-US"/>
+            </a:p>
+          </p:txBody>
+        </p:sp>
+      </p:grpSp>
+      <p:sp>
+        <p:nvSpPr>
+          <p:cNvPr id="7" name="TextBox 6">
+            <a:extLst>
+              <a:ext uri="{FF2B5EF4-FFF2-40B4-BE49-F238E27FC236}">
+                <a16:creationId xmlns:a16="http://schemas.microsoft.com/office/drawing/2014/main" id="{F787C6C7-79D0-D8A0-94C9-2BFE84382288}"/>
+              </a:ext>
+            </a:extLst>
+          </p:cNvPr>
+          <p:cNvSpPr txBox="1"/>
+          <p:nvPr/>
+        </p:nvSpPr>
         <p:spPr>
           <a:xfrm>
-            <a:off x="180715" y="126709"/>
-            <a:ext cx="5633982" cy="3398286"/>
+            <a:off x="635271" y="46341"/>
+            <a:ext cx="5130379" cy="369332"/>
           </a:xfrm>
           <a:prstGeom prst="rect">
             <a:avLst/>
           </a:prstGeom>
+          <a:noFill/>
         </p:spPr>
-      </p:pic>
-      <p:pic>
-        <p:nvPicPr>
-          <p:cNvPr id="2" name="Picture 1">
+        <p:txBody>
+          <a:bodyPr wrap="none" rtlCol="0">
+            <a:spAutoFit/>
+          </a:bodyPr>
+          <a:lstStyle/>
+          <a:p>
+            <a:r>
+              <a:rPr lang="en-US" b="1" dirty="0"/>
+              <a:t>a) Comparing two spectra plotted in different colors</a:t>
+            </a:r>
+          </a:p>
+        </p:txBody>
+      </p:sp>
+      <p:sp>
+        <p:nvSpPr>
+          <p:cNvPr id="8" name="TextBox 7">
             <a:extLst>
               <a:ext uri="{FF2B5EF4-FFF2-40B4-BE49-F238E27FC236}">
-                <a16:creationId xmlns:a16="http://schemas.microsoft.com/office/drawing/2014/main" id="{2365EEED-6BBF-0969-8625-4348C976762B}"/>
+                <a16:creationId xmlns:a16="http://schemas.microsoft.com/office/drawing/2014/main" id="{0F89A778-D5E7-8B0C-2B4C-67B3F0FB656D}"/>
               </a:ext>
             </a:extLst>
           </p:cNvPr>
-          <p:cNvPicPr>
-            <a:picLocks noChangeAspect="1"/>
-          </p:cNvPicPr>
+          <p:cNvSpPr txBox="1"/>
           <p:nvPr/>
-        </p:nvPicPr>
-        <p:blipFill rotWithShape="1">
-          <a:blip r:embed="rId4">
-            <a:extLst>
-              <a:ext uri="{BEBA8EAE-BF5A-486C-A8C5-ECC9F3942E4B}">
-                <a14:imgProps xmlns:a14="http://schemas.microsoft.com/office/drawing/2010/main">
-                  <a14:imgLayer r:embed="rId5">
-                    <a14:imgEffect>
-                      <a14:saturation sat="0"/>
-                    </a14:imgEffect>
-                  </a14:imgLayer>
-                </a14:imgProps>
-              </a:ext>
-            </a:extLst>
-          </a:blip>
-          <a:srcRect r="62418"/>
-          <a:stretch/>
-        </p:blipFill>
+        </p:nvSpPr>
         <p:spPr>
           <a:xfrm>
-            <a:off x="180715" y="3524995"/>
-            <a:ext cx="5633982" cy="3398286"/>
+            <a:off x="6918883" y="46342"/>
+            <a:ext cx="4419671" cy="369332"/>
           </a:xfrm>
           <a:prstGeom prst="rect">
             <a:avLst/>
           </a:prstGeom>
+          <a:noFill/>
         </p:spPr>
-      </p:pic>
+        <p:txBody>
+          <a:bodyPr wrap="none" rtlCol="0">
+            <a:spAutoFit/>
+          </a:bodyPr>
+          <a:lstStyle/>
+          <a:p>
+            <a:r>
+              <a:rPr lang="en-US" b="1" dirty="0"/>
+              <a:t>b) The same comparison viewed in grayscale</a:t>
+            </a:r>
+          </a:p>
+        </p:txBody>
+      </p:sp>
     </p:spTree>
     <p:extLst>
       <p:ext uri="{BB962C8B-B14F-4D97-AF65-F5344CB8AC3E}">
